--- a/Marp/test.pptx
+++ b/Marp/test.pptx
@@ -1966,7 +1966,7 @@
         <p:spPr>
           <a:xfrm>
             <a:off x="747720" y="2724120"/>
-            <a:ext cx="1180440" cy="494280"/>
+            <a:ext cx="7024680" cy="494280"/>
           </a:xfrm>
           <a:prstGeom prst="rect">
             <a:avLst/>
@@ -1990,6 +1990,15 @@
               </a:rPr>
               <a:t>Marp </a:t>
             </a:r>
+            <a:r>
+              <a:rPr b="0" lang="zh-CN" sz="3480" spc="-1" strike="noStrike">
+                <a:solidFill>
+                  <a:srgbClr val="224466"/>
+                </a:solidFill>
+                <a:latin typeface="Arial"/>
+              </a:rPr>
+              <a:t>サンプルプレゼンテーション</a:t>
+            </a:r>
             <a:endParaRPr b="0" lang="en-US" sz="3480" spc="-1" strike="noStrike">
               <a:latin typeface="Times New Roman"/>
             </a:endParaRPr>
@@ -2005,16 +2014,35 @@
         <p:spPr>
           <a:xfrm>
             <a:off x="747720" y="3627720"/>
-            <a:ext cx="358560" cy="358560"/>
-          </a:xfrm>
-          <a:prstGeom prst="rect">
-            <a:avLst/>
-          </a:prstGeom>
-          <a:noFill/>
-          <a:ln w="0">
-            <a:noFill/>
-          </a:ln>
-        </p:spPr>
+            <a:ext cx="4316760" cy="402840"/>
+          </a:xfrm>
+          <a:prstGeom prst="rect">
+            <a:avLst/>
+          </a:prstGeom>
+          <a:noFill/>
+          <a:ln w="0">
+            <a:noFill/>
+          </a:ln>
+        </p:spPr>
+        <p:txBody>
+          <a:bodyPr lIns="0" rIns="0" tIns="0" bIns="0" anchor="t">
+            <a:noAutofit/>
+          </a:bodyPr>
+          <a:p>
+            <a:r>
+              <a:rPr b="0" lang="zh-CN" sz="2830" spc="-1" strike="noStrike">
+                <a:solidFill>
+                  <a:srgbClr val="1f2328"/>
+                </a:solidFill>
+                <a:latin typeface="Arial"/>
+              </a:rPr>
+              <a:t>基本的な使い⽅と機能紹介</a:t>
+            </a:r>
+            <a:endParaRPr b="0" lang="en-US" sz="2830" spc="-1" strike="noStrike">
+              <a:latin typeface="Times New Roman"/>
+            </a:endParaRPr>
+          </a:p>
+        </p:txBody>
       </p:sp>
       <p:sp>
         <p:nvSpPr>
@@ -2336,12 +2364,51 @@
       <p:sp>
         <p:nvSpPr>
           <p:cNvPr id="48" name=""/>
+          <p:cNvSpPr txBox="1"/>
+          <p:nvPr/>
+        </p:nvSpPr>
+        <p:spPr>
+          <a:xfrm>
+            <a:off x="747720" y="2352600"/>
+            <a:ext cx="3978360" cy="494280"/>
+          </a:xfrm>
+          <a:prstGeom prst="rect">
+            <a:avLst/>
+          </a:prstGeom>
+          <a:noFill/>
+          <a:ln w="0">
+            <a:noFill/>
+          </a:ln>
+        </p:spPr>
+        <p:txBody>
+          <a:bodyPr lIns="0" rIns="0" tIns="0" bIns="0" anchor="t">
+            <a:noAutofit/>
+          </a:bodyPr>
+          <a:p>
+            <a:r>
+              <a:rPr b="0" lang="zh-CN" sz="3480" spc="-1" strike="noStrike">
+                <a:solidFill>
+                  <a:srgbClr val="224466"/>
+                </a:solidFill>
+                <a:latin typeface="Arial"/>
+              </a:rPr>
+              <a:t>スライドの基本構造</a:t>
+            </a:r>
+            <a:endParaRPr b="0" lang="en-US" sz="3480" spc="-1" strike="noStrike">
+              <a:latin typeface="Times New Roman"/>
+            </a:endParaRPr>
+          </a:p>
+        </p:txBody>
+      </p:sp>
+      <p:sp>
+        <p:nvSpPr>
+          <p:cNvPr id="49" name=""/>
           <p:cNvSpPr/>
           <p:nvPr/>
         </p:nvSpPr>
         <p:spPr>
           <a:xfrm>
-            <a:off x="2409480" y="3209760"/>
+            <a:off x="2761920" y="3209760"/>
             <a:ext cx="610200" cy="352800"/>
           </a:xfrm>
           <a:custGeom>
@@ -2360,15 +2427,15 @@
                 <a:cubicBezTo>
                   <a:pt x="0" y="148"/>
                   <a:pt x="1" y="138"/>
-                  <a:pt x="4" y="128"/>
-                </a:cubicBezTo>
-                <a:cubicBezTo>
-                  <a:pt x="6" y="118"/>
+                  <a:pt x="3" y="128"/>
+                </a:cubicBezTo>
+                <a:cubicBezTo>
+                  <a:pt x="5" y="118"/>
                   <a:pt x="9" y="108"/>
                   <a:pt x="13" y="98"/>
                 </a:cubicBezTo>
                 <a:cubicBezTo>
-                  <a:pt x="17" y="88"/>
+                  <a:pt x="16" y="88"/>
                   <a:pt x="21" y="79"/>
                   <a:pt x="27" y="71"/>
                 </a:cubicBezTo>
@@ -2398,25 +2465,25 @@
                   <a:pt x="159" y="0"/>
                 </a:cubicBezTo>
                 <a:lnTo>
-                  <a:pt x="1536" y="0"/>
-                </a:lnTo>
-                <a:cubicBezTo>
-                  <a:pt x="1546" y="0"/>
-                  <a:pt x="1557" y="1"/>
-                  <a:pt x="1567" y="3"/>
-                </a:cubicBezTo>
-                <a:cubicBezTo>
-                  <a:pt x="1577" y="5"/>
-                  <a:pt x="1587" y="8"/>
-                  <a:pt x="1597" y="12"/>
-                </a:cubicBezTo>
-                <a:cubicBezTo>
-                  <a:pt x="1606" y="16"/>
-                  <a:pt x="1616" y="21"/>
-                  <a:pt x="1624" y="27"/>
-                </a:cubicBezTo>
-                <a:cubicBezTo>
-                  <a:pt x="1633" y="33"/>
+                  <a:pt x="1535" y="0"/>
+                </a:lnTo>
+                <a:cubicBezTo>
+                  <a:pt x="1545" y="0"/>
+                  <a:pt x="1556" y="1"/>
+                  <a:pt x="1566" y="3"/>
+                </a:cubicBezTo>
+                <a:cubicBezTo>
+                  <a:pt x="1576" y="5"/>
+                  <a:pt x="1586" y="8"/>
+                  <a:pt x="1596" y="12"/>
+                </a:cubicBezTo>
+                <a:cubicBezTo>
+                  <a:pt x="1605" y="16"/>
+                  <a:pt x="1615" y="21"/>
+                  <a:pt x="1623" y="27"/>
+                </a:cubicBezTo>
+                <a:cubicBezTo>
+                  <a:pt x="1632" y="33"/>
                   <a:pt x="1641" y="39"/>
                   <a:pt x="1648" y="46"/>
                 </a:cubicBezTo>
@@ -2465,23 +2532,23 @@
                 </a:cubicBezTo>
                 <a:cubicBezTo>
                   <a:pt x="1641" y="941"/>
-                  <a:pt x="1633" y="947"/>
-                  <a:pt x="1624" y="953"/>
-                </a:cubicBezTo>
-                <a:cubicBezTo>
-                  <a:pt x="1616" y="959"/>
-                  <a:pt x="1606" y="964"/>
-                  <a:pt x="1597" y="968"/>
-                </a:cubicBezTo>
-                <a:cubicBezTo>
-                  <a:pt x="1587" y="972"/>
-                  <a:pt x="1577" y="975"/>
-                  <a:pt x="1567" y="977"/>
-                </a:cubicBezTo>
-                <a:cubicBezTo>
-                  <a:pt x="1557" y="979"/>
-                  <a:pt x="1546" y="980"/>
-                  <a:pt x="1536" y="980"/>
+                  <a:pt x="1632" y="947"/>
+                  <a:pt x="1623" y="953"/>
+                </a:cubicBezTo>
+                <a:cubicBezTo>
+                  <a:pt x="1615" y="959"/>
+                  <a:pt x="1605" y="964"/>
+                  <a:pt x="1596" y="968"/>
+                </a:cubicBezTo>
+                <a:cubicBezTo>
+                  <a:pt x="1586" y="972"/>
+                  <a:pt x="1576" y="975"/>
+                  <a:pt x="1566" y="977"/>
+                </a:cubicBezTo>
+                <a:cubicBezTo>
+                  <a:pt x="1556" y="979"/>
+                  <a:pt x="1545" y="980"/>
+                  <a:pt x="1535" y="980"/>
                 </a:cubicBezTo>
                 <a:lnTo>
                   <a:pt x="159" y="980"/>
@@ -2513,13 +2580,13 @@
                 </a:cubicBezTo>
                 <a:cubicBezTo>
                   <a:pt x="21" y="901"/>
-                  <a:pt x="17" y="892"/>
+                  <a:pt x="16" y="892"/>
                   <a:pt x="13" y="882"/>
                 </a:cubicBezTo>
                 <a:cubicBezTo>
                   <a:pt x="9" y="872"/>
-                  <a:pt x="6" y="862"/>
-                  <a:pt x="4" y="852"/>
+                  <a:pt x="5" y="862"/>
+                  <a:pt x="3" y="852"/>
                 </a:cubicBezTo>
                 <a:cubicBezTo>
                   <a:pt x="1" y="842"/>
@@ -2542,14 +2609,14 @@
       </p:sp>
       <p:sp>
         <p:nvSpPr>
-          <p:cNvPr id="49" name=""/>
+          <p:cNvPr id="50" name=""/>
           <p:cNvSpPr txBox="1"/>
           <p:nvPr/>
         </p:nvSpPr>
         <p:spPr>
           <a:xfrm>
-            <a:off x="2336040" y="3198240"/>
-            <a:ext cx="275760" cy="308160"/>
+            <a:off x="1300320" y="3198240"/>
+            <a:ext cx="1456200" cy="308160"/>
           </a:xfrm>
           <a:prstGeom prst="rect">
             <a:avLst/>
@@ -2564,6 +2631,15 @@
             <a:noAutofit/>
           </a:bodyPr>
           <a:p>
+            <a:r>
+              <a:rPr b="0" lang="zh-CN" sz="2170" spc="-1" strike="noStrike">
+                <a:solidFill>
+                  <a:srgbClr val="1f2328"/>
+                </a:solidFill>
+                <a:latin typeface="Arial"/>
+              </a:rPr>
+              <a:t>スライドは</a:t>
+            </a:r>
             <a:r>
               <a:rPr b="0" lang="en-US" sz="2170" spc="-1" strike="noStrike">
                 <a:solidFill>
@@ -2581,13 +2657,13 @@
       </p:sp>
       <p:sp>
         <p:nvSpPr>
-          <p:cNvPr id="50" name=""/>
+          <p:cNvPr id="51" name=""/>
           <p:cNvSpPr txBox="1"/>
           <p:nvPr/>
         </p:nvSpPr>
         <p:spPr>
           <a:xfrm>
-            <a:off x="2506680" y="3261240"/>
+            <a:off x="2851920" y="3261240"/>
             <a:ext cx="421200" cy="265680"/>
           </a:xfrm>
           <a:prstGeom prst="rect">
@@ -2620,7 +2696,7 @@
       </p:sp>
       <p:sp>
         <p:nvSpPr>
-          <p:cNvPr id="51" name=""/>
+          <p:cNvPr id="52" name=""/>
           <p:cNvSpPr/>
           <p:nvPr/>
         </p:nvSpPr>
@@ -2733,14 +2809,14 @@
       </p:sp>
       <p:sp>
         <p:nvSpPr>
-          <p:cNvPr id="52" name=""/>
+          <p:cNvPr id="53" name=""/>
           <p:cNvSpPr txBox="1"/>
           <p:nvPr/>
         </p:nvSpPr>
         <p:spPr>
           <a:xfrm>
-            <a:off x="3023280" y="3198240"/>
-            <a:ext cx="275760" cy="308160"/>
+            <a:off x="3368520" y="3198240"/>
+            <a:ext cx="1793520" cy="308160"/>
           </a:xfrm>
           <a:prstGeom prst="rect">
             <a:avLst/>
@@ -2764,6 +2840,15 @@
               </a:rPr>
               <a:t> </a:t>
             </a:r>
+            <a:r>
+              <a:rPr b="0" lang="zh-CN" sz="2170" spc="-1" strike="noStrike">
+                <a:solidFill>
+                  <a:srgbClr val="1f2328"/>
+                </a:solidFill>
+                <a:latin typeface="Arial"/>
+              </a:rPr>
+              <a:t>で区切ります</a:t>
+            </a:r>
             <a:endParaRPr b="0" lang="en-US" sz="2170" spc="-1" strike="noStrike">
               <a:latin typeface="Times New Roman"/>
             </a:endParaRPr>
@@ -2772,7 +2857,7 @@
       </p:sp>
       <p:sp>
         <p:nvSpPr>
-          <p:cNvPr id="53" name=""/>
+          <p:cNvPr id="54" name=""/>
           <p:cNvSpPr/>
           <p:nvPr/>
         </p:nvSpPr>
@@ -2885,14 +2970,14 @@
       </p:sp>
       <p:sp>
         <p:nvSpPr>
-          <p:cNvPr id="54" name=""/>
+          <p:cNvPr id="55" name=""/>
           <p:cNvSpPr txBox="1"/>
           <p:nvPr/>
         </p:nvSpPr>
         <p:spPr>
           <a:xfrm>
             <a:off x="1300320" y="3683880"/>
-            <a:ext cx="1276200" cy="308160"/>
+            <a:ext cx="3544560" cy="308160"/>
           </a:xfrm>
           <a:prstGeom prst="rect">
             <a:avLst/>
@@ -2916,6 +3001,15 @@
               </a:rPr>
               <a:t>Markdown</a:t>
             </a:r>
+            <a:r>
+              <a:rPr b="0" lang="zh-CN" sz="2170" spc="-1" strike="noStrike">
+                <a:solidFill>
+                  <a:srgbClr val="1f2328"/>
+                </a:solidFill>
+                <a:latin typeface="Arial"/>
+              </a:rPr>
+              <a:t>の記法が使えます</a:t>
+            </a:r>
             <a:endParaRPr b="0" lang="en-US" sz="2170" spc="-1" strike="noStrike">
               <a:latin typeface="Times New Roman"/>
             </a:endParaRPr>
@@ -2924,7 +3018,46 @@
       </p:sp>
       <p:sp>
         <p:nvSpPr>
-          <p:cNvPr id="55" name=""/>
+          <p:cNvPr id="56" name=""/>
+          <p:cNvSpPr txBox="1"/>
+          <p:nvPr/>
+        </p:nvSpPr>
+        <p:spPr>
+          <a:xfrm>
+            <a:off x="1300320" y="4169520"/>
+            <a:ext cx="2759040" cy="308160"/>
+          </a:xfrm>
+          <a:prstGeom prst="rect">
+            <a:avLst/>
+          </a:prstGeom>
+          <a:noFill/>
+          <a:ln w="0">
+            <a:noFill/>
+          </a:ln>
+        </p:spPr>
+        <p:txBody>
+          <a:bodyPr lIns="0" rIns="0" tIns="0" bIns="0" anchor="t">
+            <a:noAutofit/>
+          </a:bodyPr>
+          <a:p>
+            <a:r>
+              <a:rPr b="0" lang="zh-CN" sz="2170" spc="-1" strike="noStrike">
+                <a:solidFill>
+                  <a:srgbClr val="1f2328"/>
+                </a:solidFill>
+                <a:latin typeface="Arial"/>
+              </a:rPr>
+              <a:t>テーマを変更できます</a:t>
+            </a:r>
+            <a:endParaRPr b="0" lang="en-US" sz="2170" spc="-1" strike="noStrike">
+              <a:latin typeface="Times New Roman"/>
+            </a:endParaRPr>
+          </a:p>
+        </p:txBody>
+      </p:sp>
+      <p:sp>
+        <p:nvSpPr>
+          <p:cNvPr id="57" name=""/>
           <p:cNvSpPr txBox="1"/>
           <p:nvPr/>
         </p:nvSpPr>
@@ -2993,7 +3126,7 @@
       </p:grpSpPr>
       <p:sp>
         <p:nvSpPr>
-          <p:cNvPr id="56" name=""/>
+          <p:cNvPr id="58" name=""/>
           <p:cNvSpPr/>
           <p:nvPr/>
         </p:nvSpPr>
@@ -3038,7 +3171,7 @@
       </p:sp>
       <p:sp>
         <p:nvSpPr>
-          <p:cNvPr id="57" name=""/>
+          <p:cNvPr id="59" name=""/>
           <p:cNvSpPr/>
           <p:nvPr/>
         </p:nvSpPr>
@@ -3083,7 +3216,7 @@
       </p:sp>
       <p:sp>
         <p:nvSpPr>
-          <p:cNvPr id="58" name=""/>
+          <p:cNvPr id="60" name=""/>
           <p:cNvSpPr/>
           <p:nvPr/>
         </p:nvSpPr>
@@ -3128,7 +3261,7 @@
       </p:sp>
       <p:sp>
         <p:nvSpPr>
-          <p:cNvPr id="59" name=""/>
+          <p:cNvPr id="61" name=""/>
           <p:cNvSpPr/>
           <p:nvPr/>
         </p:nvSpPr>
@@ -3333,7 +3466,7 @@
       </p:sp>
       <p:sp>
         <p:nvSpPr>
-          <p:cNvPr id="60" name=""/>
+          <p:cNvPr id="62" name=""/>
           <p:cNvSpPr/>
           <p:nvPr/>
         </p:nvSpPr>
@@ -3539,7 +3672,46 @@
       </p:sp>
       <p:sp>
         <p:nvSpPr>
-          <p:cNvPr id="61" name=""/>
+          <p:cNvPr id="63" name=""/>
+          <p:cNvSpPr txBox="1"/>
+          <p:nvPr/>
+        </p:nvSpPr>
+        <p:spPr>
+          <a:xfrm>
+            <a:off x="747720" y="2610000"/>
+            <a:ext cx="2652480" cy="494280"/>
+          </a:xfrm>
+          <a:prstGeom prst="rect">
+            <a:avLst/>
+          </a:prstGeom>
+          <a:noFill/>
+          <a:ln w="0">
+            <a:noFill/>
+          </a:ln>
+        </p:spPr>
+        <p:txBody>
+          <a:bodyPr lIns="0" rIns="0" tIns="0" bIns="0" anchor="t">
+            <a:noAutofit/>
+          </a:bodyPr>
+          <a:p>
+            <a:r>
+              <a:rPr b="0" lang="zh-CN" sz="3480" spc="-1" strike="noStrike">
+                <a:solidFill>
+                  <a:srgbClr val="224466"/>
+                </a:solidFill>
+                <a:latin typeface="Arial"/>
+              </a:rPr>
+              <a:t>コードの表⽰</a:t>
+            </a:r>
+            <a:endParaRPr b="0" lang="en-US" sz="3480" spc="-1" strike="noStrike">
+              <a:latin typeface="Times New Roman"/>
+            </a:endParaRPr>
+          </a:p>
+        </p:txBody>
+      </p:sp>
+      <p:sp>
+        <p:nvSpPr>
+          <p:cNvPr id="64" name=""/>
           <p:cNvSpPr txBox="1"/>
           <p:nvPr/>
         </p:nvSpPr>
@@ -3605,7 +3777,7 @@
       </p:sp>
       <p:sp>
         <p:nvSpPr>
-          <p:cNvPr id="62" name=""/>
+          <p:cNvPr id="65" name=""/>
           <p:cNvSpPr txBox="1"/>
           <p:nvPr/>
         </p:nvSpPr>
@@ -3680,7 +3852,7 @@
       </p:sp>
       <p:sp>
         <p:nvSpPr>
-          <p:cNvPr id="63" name=""/>
+          <p:cNvPr id="66" name=""/>
           <p:cNvSpPr txBox="1"/>
           <p:nvPr/>
         </p:nvSpPr>
@@ -3749,7 +3921,7 @@
       </p:grpSpPr>
       <p:sp>
         <p:nvSpPr>
-          <p:cNvPr id="64" name=""/>
+          <p:cNvPr id="67" name=""/>
           <p:cNvSpPr/>
           <p:nvPr/>
         </p:nvSpPr>
@@ -3794,7 +3966,7 @@
       </p:sp>
       <p:sp>
         <p:nvSpPr>
-          <p:cNvPr id="65" name=""/>
+          <p:cNvPr id="68" name=""/>
           <p:cNvSpPr/>
           <p:nvPr/>
         </p:nvSpPr>
@@ -3839,7 +4011,7 @@
       </p:sp>
       <p:sp>
         <p:nvSpPr>
-          <p:cNvPr id="66" name=""/>
+          <p:cNvPr id="69" name=""/>
           <p:cNvSpPr/>
           <p:nvPr/>
         </p:nvSpPr>
@@ -3884,7 +4056,7 @@
       </p:sp>
       <p:pic>
         <p:nvPicPr>
-          <p:cNvPr id="67" name="" descr=""/>
+          <p:cNvPr id="70" name="" descr=""/>
           <p:cNvPicPr/>
           <p:nvPr/>
         </p:nvPicPr>
@@ -3907,7 +4079,46 @@
       </p:pic>
       <p:sp>
         <p:nvSpPr>
-          <p:cNvPr id="68" name=""/>
+          <p:cNvPr id="71" name=""/>
+          <p:cNvSpPr txBox="1"/>
+          <p:nvPr/>
+        </p:nvSpPr>
+        <p:spPr>
+          <a:xfrm>
+            <a:off x="747720" y="1552680"/>
+            <a:ext cx="2210400" cy="494280"/>
+          </a:xfrm>
+          <a:prstGeom prst="rect">
+            <a:avLst/>
+          </a:prstGeom>
+          <a:noFill/>
+          <a:ln w="0">
+            <a:noFill/>
+          </a:ln>
+        </p:spPr>
+        <p:txBody>
+          <a:bodyPr lIns="0" rIns="0" tIns="0" bIns="0" anchor="t">
+            <a:noAutofit/>
+          </a:bodyPr>
+          <a:p>
+            <a:r>
+              <a:rPr b="0" lang="zh-CN" sz="3480" spc="-1" strike="noStrike">
+                <a:solidFill>
+                  <a:srgbClr val="224466"/>
+                </a:solidFill>
+                <a:latin typeface="Arial"/>
+              </a:rPr>
+              <a:t>画像の挿⼊</a:t>
+            </a:r>
+            <a:endParaRPr b="0" lang="en-US" sz="3480" spc="-1" strike="noStrike">
+              <a:latin typeface="Times New Roman"/>
+            </a:endParaRPr>
+          </a:p>
+        </p:txBody>
+      </p:sp>
+      <p:sp>
+        <p:nvSpPr>
+          <p:cNvPr id="72" name=""/>
           <p:cNvSpPr txBox="1"/>
           <p:nvPr/>
         </p:nvSpPr>
@@ -3976,7 +4187,7 @@
       </p:grpSpPr>
       <p:sp>
         <p:nvSpPr>
-          <p:cNvPr id="69" name=""/>
+          <p:cNvPr id="73" name=""/>
           <p:cNvSpPr/>
           <p:nvPr/>
         </p:nvSpPr>
@@ -4021,7 +4232,7 @@
       </p:sp>
       <p:sp>
         <p:nvSpPr>
-          <p:cNvPr id="70" name=""/>
+          <p:cNvPr id="74" name=""/>
           <p:cNvSpPr/>
           <p:nvPr/>
         </p:nvSpPr>
@@ -4066,7 +4277,7 @@
       </p:sp>
       <p:sp>
         <p:nvSpPr>
-          <p:cNvPr id="71" name=""/>
+          <p:cNvPr id="75" name=""/>
           <p:cNvSpPr/>
           <p:nvPr/>
         </p:nvSpPr>
@@ -4111,14 +4322,14 @@
       </p:sp>
       <p:sp>
         <p:nvSpPr>
-          <p:cNvPr id="72" name=""/>
+          <p:cNvPr id="76" name=""/>
           <p:cNvSpPr txBox="1"/>
           <p:nvPr/>
         </p:nvSpPr>
         <p:spPr>
           <a:xfrm>
             <a:off x="747720" y="1200240"/>
-            <a:ext cx="441720" cy="494280"/>
+            <a:ext cx="3880440" cy="494280"/>
           </a:xfrm>
           <a:prstGeom prst="rect">
             <a:avLst/>
@@ -4142,6 +4353,15 @@
               </a:rPr>
               <a:t>2</a:t>
             </a:r>
+            <a:r>
+              <a:rPr b="0" lang="zh-CN" sz="3480" spc="-1" strike="noStrike">
+                <a:solidFill>
+                  <a:srgbClr val="224466"/>
+                </a:solidFill>
+                <a:latin typeface="Arial"/>
+              </a:rPr>
+              <a:t>カラムレイアウト</a:t>
+            </a:r>
             <a:endParaRPr b="0" lang="en-US" sz="3480" spc="-1" strike="noStrike">
               <a:latin typeface="Times New Roman"/>
             </a:endParaRPr>
@@ -4150,7 +4370,7 @@
       </p:sp>
       <p:sp>
         <p:nvSpPr>
-          <p:cNvPr id="73" name=""/>
+          <p:cNvPr id="77" name=""/>
           <p:cNvSpPr/>
           <p:nvPr/>
         </p:nvSpPr>
@@ -4263,27 +4483,46 @@
       </p:sp>
       <p:sp>
         <p:nvSpPr>
-          <p:cNvPr id="74" name=""/>
+          <p:cNvPr id="78" name=""/>
           <p:cNvSpPr txBox="1"/>
           <p:nvPr/>
         </p:nvSpPr>
         <p:spPr>
           <a:xfrm>
             <a:off x="747720" y="2103840"/>
-            <a:ext cx="358560" cy="358560"/>
-          </a:xfrm>
-          <a:prstGeom prst="rect">
-            <a:avLst/>
-          </a:prstGeom>
-          <a:noFill/>
-          <a:ln w="0">
-            <a:noFill/>
-          </a:ln>
-        </p:spPr>
-      </p:sp>
-      <p:sp>
-        <p:nvSpPr>
-          <p:cNvPr id="75" name=""/>
+            <a:ext cx="1439280" cy="402840"/>
+          </a:xfrm>
+          <a:prstGeom prst="rect">
+            <a:avLst/>
+          </a:prstGeom>
+          <a:noFill/>
+          <a:ln w="0">
+            <a:noFill/>
+          </a:ln>
+        </p:spPr>
+        <p:txBody>
+          <a:bodyPr lIns="0" rIns="0" tIns="0" bIns="0" anchor="t">
+            <a:noAutofit/>
+          </a:bodyPr>
+          <a:p>
+            <a:r>
+              <a:rPr b="0" lang="zh-CN" sz="2830" spc="-1" strike="noStrike">
+                <a:solidFill>
+                  <a:srgbClr val="1f2328"/>
+                </a:solidFill>
+                <a:latin typeface="Arial"/>
+              </a:rPr>
+              <a:t>左カラム</a:t>
+            </a:r>
+            <a:endParaRPr b="0" lang="en-US" sz="2830" spc="-1" strike="noStrike">
+              <a:latin typeface="Times New Roman"/>
+            </a:endParaRPr>
+          </a:p>
+        </p:txBody>
+      </p:sp>
+      <p:sp>
+        <p:nvSpPr>
+          <p:cNvPr id="79" name=""/>
           <p:cNvSpPr/>
           <p:nvPr/>
         </p:nvSpPr>
@@ -4396,14 +4635,14 @@
       </p:sp>
       <p:sp>
         <p:nvSpPr>
-          <p:cNvPr id="76" name=""/>
+          <p:cNvPr id="80" name=""/>
           <p:cNvSpPr txBox="1"/>
           <p:nvPr/>
         </p:nvSpPr>
         <p:spPr>
           <a:xfrm>
-            <a:off x="1921680" y="2845800"/>
-            <a:ext cx="275760" cy="308160"/>
+            <a:off x="1300320" y="2845800"/>
+            <a:ext cx="1044000" cy="308160"/>
           </a:xfrm>
           <a:prstGeom prst="rect">
             <a:avLst/>
@@ -4418,6 +4657,15 @@
             <a:noAutofit/>
           </a:bodyPr>
           <a:p>
+            <a:r>
+              <a:rPr b="0" lang="zh-CN" sz="2170" spc="-1" strike="noStrike">
+                <a:solidFill>
+                  <a:srgbClr val="1f2328"/>
+                </a:solidFill>
+                <a:latin typeface="Arial"/>
+              </a:rPr>
+              <a:t>リスト</a:t>
+            </a:r>
             <a:r>
               <a:rPr b="0" lang="en-US" sz="2170" spc="-1" strike="noStrike">
                 <a:solidFill>
@@ -4435,14 +4683,14 @@
       </p:sp>
       <p:sp>
         <p:nvSpPr>
-          <p:cNvPr id="77" name=""/>
+          <p:cNvPr id="81" name=""/>
           <p:cNvSpPr txBox="1"/>
           <p:nvPr/>
         </p:nvSpPr>
         <p:spPr>
           <a:xfrm>
-            <a:off x="1921680" y="3321720"/>
-            <a:ext cx="275760" cy="308160"/>
+            <a:off x="1300320" y="3321720"/>
+            <a:ext cx="1044000" cy="308160"/>
           </a:xfrm>
           <a:prstGeom prst="rect">
             <a:avLst/>
@@ -4457,6 +4705,15 @@
             <a:noAutofit/>
           </a:bodyPr>
           <a:p>
+            <a:r>
+              <a:rPr b="0" lang="zh-CN" sz="2170" spc="-1" strike="noStrike">
+                <a:solidFill>
+                  <a:srgbClr val="1f2328"/>
+                </a:solidFill>
+                <a:latin typeface="Arial"/>
+              </a:rPr>
+              <a:t>リスト</a:t>
+            </a:r>
             <a:r>
               <a:rPr b="0" lang="en-US" sz="2170" spc="-1" strike="noStrike">
                 <a:solidFill>
@@ -4474,7 +4731,7 @@
       </p:sp>
       <p:sp>
         <p:nvSpPr>
-          <p:cNvPr id="78" name=""/>
+          <p:cNvPr id="82" name=""/>
           <p:cNvSpPr/>
           <p:nvPr/>
         </p:nvSpPr>
@@ -4587,27 +4844,46 @@
       </p:sp>
       <p:sp>
         <p:nvSpPr>
-          <p:cNvPr id="79" name=""/>
+          <p:cNvPr id="83" name=""/>
           <p:cNvSpPr txBox="1"/>
           <p:nvPr/>
         </p:nvSpPr>
         <p:spPr>
           <a:xfrm>
             <a:off x="747720" y="3942360"/>
-            <a:ext cx="358560" cy="358560"/>
-          </a:xfrm>
-          <a:prstGeom prst="rect">
-            <a:avLst/>
-          </a:prstGeom>
-          <a:noFill/>
-          <a:ln w="0">
-            <a:noFill/>
-          </a:ln>
-        </p:spPr>
-      </p:sp>
-      <p:sp>
-        <p:nvSpPr>
-          <p:cNvPr id="80" name=""/>
+            <a:ext cx="1439280" cy="402840"/>
+          </a:xfrm>
+          <a:prstGeom prst="rect">
+            <a:avLst/>
+          </a:prstGeom>
+          <a:noFill/>
+          <a:ln w="0">
+            <a:noFill/>
+          </a:ln>
+        </p:spPr>
+        <p:txBody>
+          <a:bodyPr lIns="0" rIns="0" tIns="0" bIns="0" anchor="t">
+            <a:noAutofit/>
+          </a:bodyPr>
+          <a:p>
+            <a:r>
+              <a:rPr b="0" lang="zh-CN" sz="2830" spc="-1" strike="noStrike">
+                <a:solidFill>
+                  <a:srgbClr val="1f2328"/>
+                </a:solidFill>
+                <a:latin typeface="Arial"/>
+              </a:rPr>
+              <a:t>右カラム</a:t>
+            </a:r>
+            <a:endParaRPr b="0" lang="en-US" sz="2830" spc="-1" strike="noStrike">
+              <a:latin typeface="Times New Roman"/>
+            </a:endParaRPr>
+          </a:p>
+        </p:txBody>
+      </p:sp>
+      <p:sp>
+        <p:nvSpPr>
+          <p:cNvPr id="84" name=""/>
           <p:cNvSpPr/>
           <p:nvPr/>
         </p:nvSpPr>
@@ -4720,14 +4996,14 @@
       </p:sp>
       <p:sp>
         <p:nvSpPr>
-          <p:cNvPr id="81" name=""/>
+          <p:cNvPr id="85" name=""/>
           <p:cNvSpPr txBox="1"/>
           <p:nvPr/>
         </p:nvSpPr>
         <p:spPr>
           <a:xfrm>
-            <a:off x="1921680" y="4674600"/>
-            <a:ext cx="275760" cy="308160"/>
+            <a:off x="1300320" y="4674600"/>
+            <a:ext cx="1044000" cy="308160"/>
           </a:xfrm>
           <a:prstGeom prst="rect">
             <a:avLst/>
@@ -4742,6 +5018,15 @@
             <a:noAutofit/>
           </a:bodyPr>
           <a:p>
+            <a:r>
+              <a:rPr b="0" lang="zh-CN" sz="2170" spc="-1" strike="noStrike">
+                <a:solidFill>
+                  <a:srgbClr val="1f2328"/>
+                </a:solidFill>
+                <a:latin typeface="Arial"/>
+              </a:rPr>
+              <a:t>リスト</a:t>
+            </a:r>
             <a:r>
               <a:rPr b="0" lang="en-US" sz="2170" spc="-1" strike="noStrike">
                 <a:solidFill>
@@ -4759,14 +5044,14 @@
       </p:sp>
       <p:sp>
         <p:nvSpPr>
-          <p:cNvPr id="82" name=""/>
+          <p:cNvPr id="86" name=""/>
           <p:cNvSpPr txBox="1"/>
           <p:nvPr/>
         </p:nvSpPr>
         <p:spPr>
           <a:xfrm>
-            <a:off x="1921680" y="5160240"/>
-            <a:ext cx="275760" cy="308160"/>
+            <a:off x="1300320" y="5160240"/>
+            <a:ext cx="1044000" cy="308160"/>
           </a:xfrm>
           <a:prstGeom prst="rect">
             <a:avLst/>
@@ -4781,6 +5066,15 @@
             <a:noAutofit/>
           </a:bodyPr>
           <a:p>
+            <a:r>
+              <a:rPr b="0" lang="zh-CN" sz="2170" spc="-1" strike="noStrike">
+                <a:solidFill>
+                  <a:srgbClr val="1f2328"/>
+                </a:solidFill>
+                <a:latin typeface="Arial"/>
+              </a:rPr>
+              <a:t>リスト</a:t>
+            </a:r>
             <a:r>
               <a:rPr b="0" lang="en-US" sz="2170" spc="-1" strike="noStrike">
                 <a:solidFill>
@@ -4798,7 +5092,7 @@
       </p:sp>
       <p:sp>
         <p:nvSpPr>
-          <p:cNvPr id="83" name=""/>
+          <p:cNvPr id="87" name=""/>
           <p:cNvSpPr txBox="1"/>
           <p:nvPr/>
         </p:nvSpPr>
@@ -4867,7 +5161,7 @@
       </p:grpSpPr>
       <p:sp>
         <p:nvSpPr>
-          <p:cNvPr id="84" name=""/>
+          <p:cNvPr id="88" name=""/>
           <p:cNvSpPr/>
           <p:nvPr/>
         </p:nvSpPr>
@@ -4912,7 +5206,7 @@
       </p:sp>
       <p:sp>
         <p:nvSpPr>
-          <p:cNvPr id="85" name=""/>
+          <p:cNvPr id="89" name=""/>
           <p:cNvSpPr/>
           <p:nvPr/>
         </p:nvSpPr>
@@ -4957,7 +5251,7 @@
       </p:sp>
       <p:sp>
         <p:nvSpPr>
-          <p:cNvPr id="86" name=""/>
+          <p:cNvPr id="90" name=""/>
           <p:cNvSpPr/>
           <p:nvPr/>
         </p:nvSpPr>
@@ -5002,7 +5296,7 @@
       </p:sp>
       <p:pic>
         <p:nvPicPr>
-          <p:cNvPr id="87" name="" descr=""/>
+          <p:cNvPr id="91" name="" descr=""/>
           <p:cNvPicPr/>
           <p:nvPr/>
         </p:nvPicPr>
@@ -5025,7 +5319,46 @@
       </p:pic>
       <p:sp>
         <p:nvSpPr>
-          <p:cNvPr id="88" name=""/>
+          <p:cNvPr id="92" name=""/>
+          <p:cNvSpPr txBox="1"/>
+          <p:nvPr/>
+        </p:nvSpPr>
+        <p:spPr>
+          <a:xfrm>
+            <a:off x="5624640" y="2200320"/>
+            <a:ext cx="1768680" cy="494280"/>
+          </a:xfrm>
+          <a:prstGeom prst="rect">
+            <a:avLst/>
+          </a:prstGeom>
+          <a:noFill/>
+          <a:ln w="0">
+            <a:noFill/>
+          </a:ln>
+        </p:spPr>
+        <p:txBody>
+          <a:bodyPr lIns="0" rIns="0" tIns="0" bIns="0" anchor="t">
+            <a:noAutofit/>
+          </a:bodyPr>
+          <a:p>
+            <a:r>
+              <a:rPr b="0" lang="zh-CN" sz="3480" spc="-1" strike="noStrike">
+                <a:solidFill>
+                  <a:srgbClr val="224466"/>
+                </a:solidFill>
+                <a:latin typeface="Arial"/>
+              </a:rPr>
+              <a:t>背景画像</a:t>
+            </a:r>
+            <a:endParaRPr b="0" lang="en-US" sz="3480" spc="-1" strike="noStrike">
+              <a:latin typeface="Times New Roman"/>
+            </a:endParaRPr>
+          </a:p>
+        </p:txBody>
+      </p:sp>
+      <p:sp>
+        <p:nvSpPr>
+          <p:cNvPr id="93" name=""/>
           <p:cNvSpPr/>
           <p:nvPr/>
         </p:nvSpPr>
@@ -5138,7 +5471,46 @@
       </p:sp>
       <p:sp>
         <p:nvSpPr>
-          <p:cNvPr id="89" name=""/>
+          <p:cNvPr id="94" name=""/>
+          <p:cNvSpPr txBox="1"/>
+          <p:nvPr/>
+        </p:nvSpPr>
+        <p:spPr>
+          <a:xfrm>
+            <a:off x="5624640" y="3103920"/>
+            <a:ext cx="3597480" cy="402840"/>
+          </a:xfrm>
+          <a:prstGeom prst="rect">
+            <a:avLst/>
+          </a:prstGeom>
+          <a:noFill/>
+          <a:ln w="0">
+            <a:noFill/>
+          </a:ln>
+        </p:spPr>
+        <p:txBody>
+          <a:bodyPr lIns="0" rIns="0" tIns="0" bIns="0" anchor="t">
+            <a:noAutofit/>
+          </a:bodyPr>
+          <a:p>
+            <a:r>
+              <a:rPr b="0" lang="zh-CN" sz="2830" spc="-1" strike="noStrike">
+                <a:solidFill>
+                  <a:srgbClr val="1f2328"/>
+                </a:solidFill>
+                <a:latin typeface="Arial"/>
+              </a:rPr>
+              <a:t>背景画像付きスライド</a:t>
+            </a:r>
+            <a:endParaRPr b="0" lang="en-US" sz="2830" spc="-1" strike="noStrike">
+              <a:latin typeface="Times New Roman"/>
+            </a:endParaRPr>
+          </a:p>
+        </p:txBody>
+      </p:sp>
+      <p:sp>
+        <p:nvSpPr>
+          <p:cNvPr id="95" name=""/>
           <p:cNvSpPr/>
           <p:nvPr/>
         </p:nvSpPr>
@@ -5251,27 +5623,85 @@
       </p:sp>
       <p:sp>
         <p:nvSpPr>
-          <p:cNvPr id="90" name=""/>
+          <p:cNvPr id="96" name=""/>
           <p:cNvSpPr txBox="1"/>
           <p:nvPr/>
         </p:nvSpPr>
         <p:spPr>
           <a:xfrm>
-            <a:off x="5624640" y="3103920"/>
-            <a:ext cx="358560" cy="358560"/>
-          </a:xfrm>
-          <a:prstGeom prst="rect">
-            <a:avLst/>
-          </a:prstGeom>
-          <a:noFill/>
-          <a:ln w="0">
-            <a:noFill/>
-          </a:ln>
-        </p:spPr>
-      </p:sp>
-      <p:sp>
-        <p:nvSpPr>
-          <p:cNvPr id="91" name=""/>
+            <a:off x="6176880" y="3836160"/>
+            <a:ext cx="1379880" cy="308160"/>
+          </a:xfrm>
+          <a:prstGeom prst="rect">
+            <a:avLst/>
+          </a:prstGeom>
+          <a:noFill/>
+          <a:ln w="0">
+            <a:noFill/>
+          </a:ln>
+        </p:spPr>
+        <p:txBody>
+          <a:bodyPr lIns="0" rIns="0" tIns="0" bIns="0" anchor="t">
+            <a:noAutofit/>
+          </a:bodyPr>
+          <a:p>
+            <a:r>
+              <a:rPr b="0" lang="zh-CN" sz="2170" spc="-1" strike="noStrike">
+                <a:solidFill>
+                  <a:srgbClr val="1f2328"/>
+                </a:solidFill>
+                <a:latin typeface="Arial"/>
+              </a:rPr>
+              <a:t>左側に画像</a:t>
+            </a:r>
+            <a:endParaRPr b="0" lang="en-US" sz="2170" spc="-1" strike="noStrike">
+              <a:latin typeface="Times New Roman"/>
+            </a:endParaRPr>
+          </a:p>
+        </p:txBody>
+      </p:sp>
+      <p:sp>
+        <p:nvSpPr>
+          <p:cNvPr id="97" name=""/>
+          <p:cNvSpPr txBox="1"/>
+          <p:nvPr/>
+        </p:nvSpPr>
+        <p:spPr>
+          <a:xfrm>
+            <a:off x="6176880" y="4322160"/>
+            <a:ext cx="1931760" cy="308160"/>
+          </a:xfrm>
+          <a:prstGeom prst="rect">
+            <a:avLst/>
+          </a:prstGeom>
+          <a:noFill/>
+          <a:ln w="0">
+            <a:noFill/>
+          </a:ln>
+        </p:spPr>
+        <p:txBody>
+          <a:bodyPr lIns="0" rIns="0" tIns="0" bIns="0" anchor="t">
+            <a:noAutofit/>
+          </a:bodyPr>
+          <a:p>
+            <a:r>
+              <a:rPr b="0" lang="zh-CN" sz="2170" spc="-1" strike="noStrike">
+                <a:solidFill>
+                  <a:srgbClr val="1f2328"/>
+                </a:solidFill>
+                <a:latin typeface="Arial"/>
+              </a:rPr>
+              <a:t>右側にテキスト</a:t>
+            </a:r>
+            <a:endParaRPr b="0" lang="en-US" sz="2170" spc="-1" strike="noStrike">
+              <a:latin typeface="Times New Roman"/>
+            </a:endParaRPr>
+          </a:p>
+        </p:txBody>
+      </p:sp>
+      <p:sp>
+        <p:nvSpPr>
+          <p:cNvPr id="98" name=""/>
           <p:cNvSpPr txBox="1"/>
           <p:nvPr/>
         </p:nvSpPr>
@@ -5340,7 +5770,7 @@
       </p:grpSpPr>
       <p:sp>
         <p:nvSpPr>
-          <p:cNvPr id="92" name=""/>
+          <p:cNvPr id="99" name=""/>
           <p:cNvSpPr/>
           <p:nvPr/>
         </p:nvSpPr>
@@ -5385,7 +5815,7 @@
       </p:sp>
       <p:sp>
         <p:nvSpPr>
-          <p:cNvPr id="93" name=""/>
+          <p:cNvPr id="100" name=""/>
           <p:cNvSpPr/>
           <p:nvPr/>
         </p:nvSpPr>
@@ -5430,7 +5860,7 @@
       </p:sp>
       <p:sp>
         <p:nvSpPr>
-          <p:cNvPr id="94" name=""/>
+          <p:cNvPr id="101" name=""/>
           <p:cNvSpPr/>
           <p:nvPr/>
         </p:nvSpPr>
@@ -5475,7 +5905,7 @@
       </p:sp>
       <p:sp>
         <p:nvSpPr>
-          <p:cNvPr id="95" name=""/>
+          <p:cNvPr id="102" name=""/>
           <p:cNvSpPr/>
           <p:nvPr/>
         </p:nvSpPr>
@@ -5588,7 +6018,46 @@
       </p:sp>
       <p:sp>
         <p:nvSpPr>
-          <p:cNvPr id="96" name=""/>
+          <p:cNvPr id="103" name=""/>
+          <p:cNvSpPr txBox="1"/>
+          <p:nvPr/>
+        </p:nvSpPr>
+        <p:spPr>
+          <a:xfrm>
+            <a:off x="747720" y="2590920"/>
+            <a:ext cx="5304240" cy="494280"/>
+          </a:xfrm>
+          <a:prstGeom prst="rect">
+            <a:avLst/>
+          </a:prstGeom>
+          <a:noFill/>
+          <a:ln w="0">
+            <a:noFill/>
+          </a:ln>
+        </p:spPr>
+        <p:txBody>
+          <a:bodyPr lIns="0" rIns="0" tIns="0" bIns="0" anchor="t">
+            <a:noAutofit/>
+          </a:bodyPr>
+          <a:p>
+            <a:r>
+              <a:rPr b="0" lang="zh-CN" sz="3480" spc="-1" strike="noStrike">
+                <a:solidFill>
+                  <a:srgbClr val="224466"/>
+                </a:solidFill>
+                <a:latin typeface="Arial"/>
+              </a:rPr>
+              <a:t>ありがとうございました！</a:t>
+            </a:r>
+            <a:endParaRPr b="0" lang="en-US" sz="3480" spc="-1" strike="noStrike">
+              <a:latin typeface="Times New Roman"/>
+            </a:endParaRPr>
+          </a:p>
+        </p:txBody>
+      </p:sp>
+      <p:sp>
+        <p:nvSpPr>
+          <p:cNvPr id="104" name=""/>
           <p:cNvSpPr/>
           <p:nvPr/>
         </p:nvSpPr>
@@ -5701,7 +6170,85 @@
       </p:sp>
       <p:sp>
         <p:nvSpPr>
-          <p:cNvPr id="97" name=""/>
+          <p:cNvPr id="105" name=""/>
+          <p:cNvSpPr txBox="1"/>
+          <p:nvPr/>
+        </p:nvSpPr>
+        <p:spPr>
+          <a:xfrm>
+            <a:off x="1300320" y="3445560"/>
+            <a:ext cx="2483280" cy="308160"/>
+          </a:xfrm>
+          <a:prstGeom prst="rect">
+            <a:avLst/>
+          </a:prstGeom>
+          <a:noFill/>
+          <a:ln w="0">
+            <a:noFill/>
+          </a:ln>
+        </p:spPr>
+        <p:txBody>
+          <a:bodyPr lIns="0" rIns="0" tIns="0" bIns="0" anchor="t">
+            <a:noAutofit/>
+          </a:bodyPr>
+          <a:p>
+            <a:r>
+              <a:rPr b="0" lang="zh-CN" sz="2170" spc="-1" strike="noStrike">
+                <a:solidFill>
+                  <a:srgbClr val="1f2328"/>
+                </a:solidFill>
+                <a:latin typeface="Arial"/>
+              </a:rPr>
+              <a:t>質問はありますか？</a:t>
+            </a:r>
+            <a:endParaRPr b="0" lang="en-US" sz="2170" spc="-1" strike="noStrike">
+              <a:latin typeface="Times New Roman"/>
+            </a:endParaRPr>
+          </a:p>
+        </p:txBody>
+      </p:sp>
+      <p:sp>
+        <p:nvSpPr>
+          <p:cNvPr id="106" name=""/>
+          <p:cNvSpPr txBox="1"/>
+          <p:nvPr/>
+        </p:nvSpPr>
+        <p:spPr>
+          <a:xfrm>
+            <a:off x="1300320" y="3931560"/>
+            <a:ext cx="3862440" cy="308160"/>
+          </a:xfrm>
+          <a:prstGeom prst="rect">
+            <a:avLst/>
+          </a:prstGeom>
+          <a:noFill/>
+          <a:ln w="0">
+            <a:noFill/>
+          </a:ln>
+        </p:spPr>
+        <p:txBody>
+          <a:bodyPr lIns="0" rIns="0" tIns="0" bIns="0" anchor="t">
+            <a:noAutofit/>
+          </a:bodyPr>
+          <a:p>
+            <a:r>
+              <a:rPr b="0" lang="zh-CN" sz="2170" spc="-1" strike="noStrike">
+                <a:solidFill>
+                  <a:srgbClr val="1f2328"/>
+                </a:solidFill>
+                <a:latin typeface="Arial"/>
+              </a:rPr>
+              <a:t>ご清聴ありがとうございました</a:t>
+            </a:r>
+            <a:endParaRPr b="0" lang="en-US" sz="2170" spc="-1" strike="noStrike">
+              <a:latin typeface="Times New Roman"/>
+            </a:endParaRPr>
+          </a:p>
+        </p:txBody>
+      </p:sp>
+      <p:sp>
+        <p:nvSpPr>
+          <p:cNvPr id="107" name=""/>
           <p:cNvSpPr txBox="1"/>
           <p:nvPr/>
         </p:nvSpPr>
